--- a/week1/hm/hm_1.pptx
+++ b/week1/hm/hm_1.pptx
@@ -104,6 +104,11 @@
       </a:defRPr>
     </a:lvl9pPr>
   </p:defaultTextStyle>
+  <p:extLst>
+    <p:ext uri="{EFAFB233-063F-42B5-8137-9DF3F51BA10A}">
+      <p15:sldGuideLst xmlns:p15="http://schemas.microsoft.com/office/powerpoint/2012/main"/>
+    </p:ext>
+  </p:extLst>
 </p:presentation>
 </file>
 
@@ -254,7 +259,7 @@
           <a:p>
             <a:fld id="{B73BCD95-6E1A-C649-8A04-85239D37E2EE}" type="datetimeFigureOut">
               <a:rPr lang="en-US" smtClean="0"/>
-              <a:t>3/15/21</a:t>
+              <a:t>3/19/21</a:t>
             </a:fld>
             <a:endParaRPr lang="en-US"/>
           </a:p>
@@ -452,7 +457,7 @@
           <a:p>
             <a:fld id="{B73BCD95-6E1A-C649-8A04-85239D37E2EE}" type="datetimeFigureOut">
               <a:rPr lang="en-US" smtClean="0"/>
-              <a:t>3/15/21</a:t>
+              <a:t>3/19/21</a:t>
             </a:fld>
             <a:endParaRPr lang="en-US"/>
           </a:p>
@@ -660,7 +665,7 @@
           <a:p>
             <a:fld id="{B73BCD95-6E1A-C649-8A04-85239D37E2EE}" type="datetimeFigureOut">
               <a:rPr lang="en-US" smtClean="0"/>
-              <a:t>3/15/21</a:t>
+              <a:t>3/19/21</a:t>
             </a:fld>
             <a:endParaRPr lang="en-US"/>
           </a:p>
@@ -858,7 +863,7 @@
           <a:p>
             <a:fld id="{B73BCD95-6E1A-C649-8A04-85239D37E2EE}" type="datetimeFigureOut">
               <a:rPr lang="en-US" smtClean="0"/>
-              <a:t>3/15/21</a:t>
+              <a:t>3/19/21</a:t>
             </a:fld>
             <a:endParaRPr lang="en-US"/>
           </a:p>
@@ -1133,7 +1138,7 @@
           <a:p>
             <a:fld id="{B73BCD95-6E1A-C649-8A04-85239D37E2EE}" type="datetimeFigureOut">
               <a:rPr lang="en-US" smtClean="0"/>
-              <a:t>3/15/21</a:t>
+              <a:t>3/19/21</a:t>
             </a:fld>
             <a:endParaRPr lang="en-US"/>
           </a:p>
@@ -1398,7 +1403,7 @@
           <a:p>
             <a:fld id="{B73BCD95-6E1A-C649-8A04-85239D37E2EE}" type="datetimeFigureOut">
               <a:rPr lang="en-US" smtClean="0"/>
-              <a:t>3/15/21</a:t>
+              <a:t>3/19/21</a:t>
             </a:fld>
             <a:endParaRPr lang="en-US"/>
           </a:p>
@@ -1810,7 +1815,7 @@
           <a:p>
             <a:fld id="{B73BCD95-6E1A-C649-8A04-85239D37E2EE}" type="datetimeFigureOut">
               <a:rPr lang="en-US" smtClean="0"/>
-              <a:t>3/15/21</a:t>
+              <a:t>3/19/21</a:t>
             </a:fld>
             <a:endParaRPr lang="en-US"/>
           </a:p>
@@ -1951,7 +1956,7 @@
           <a:p>
             <a:fld id="{B73BCD95-6E1A-C649-8A04-85239D37E2EE}" type="datetimeFigureOut">
               <a:rPr lang="en-US" smtClean="0"/>
-              <a:t>3/15/21</a:t>
+              <a:t>3/19/21</a:t>
             </a:fld>
             <a:endParaRPr lang="en-US"/>
           </a:p>
@@ -2064,7 +2069,7 @@
           <a:p>
             <a:fld id="{B73BCD95-6E1A-C649-8A04-85239D37E2EE}" type="datetimeFigureOut">
               <a:rPr lang="en-US" smtClean="0"/>
-              <a:t>3/15/21</a:t>
+              <a:t>3/19/21</a:t>
             </a:fld>
             <a:endParaRPr lang="en-US"/>
           </a:p>
@@ -2375,7 +2380,7 @@
           <a:p>
             <a:fld id="{B73BCD95-6E1A-C649-8A04-85239D37E2EE}" type="datetimeFigureOut">
               <a:rPr lang="en-US" smtClean="0"/>
-              <a:t>3/15/21</a:t>
+              <a:t>3/19/21</a:t>
             </a:fld>
             <a:endParaRPr lang="en-US"/>
           </a:p>
@@ -2663,7 +2668,7 @@
           <a:p>
             <a:fld id="{B73BCD95-6E1A-C649-8A04-85239D37E2EE}" type="datetimeFigureOut">
               <a:rPr lang="en-US" smtClean="0"/>
-              <a:t>3/15/21</a:t>
+              <a:t>3/19/21</a:t>
             </a:fld>
             <a:endParaRPr lang="en-US"/>
           </a:p>
@@ -2904,7 +2909,7 @@
           <a:p>
             <a:fld id="{B73BCD95-6E1A-C649-8A04-85239D37E2EE}" type="datetimeFigureOut">
               <a:rPr lang="en-US" smtClean="0"/>
-              <a:t>3/15/21</a:t>
+              <a:t>3/19/21</a:t>
             </a:fld>
             <a:endParaRPr lang="en-US"/>
           </a:p>
@@ -3321,866 +3326,887 @@
           <a:chExt cx="0" cy="0"/>
         </a:xfrm>
       </p:grpSpPr>
-      <p:sp>
-        <p:nvSpPr>
-          <p:cNvPr id="4" name="Rectangle 3">
-            <a:extLst>
-              <a:ext uri="{FF2B5EF4-FFF2-40B4-BE49-F238E27FC236}">
-                <a16:creationId xmlns:a16="http://schemas.microsoft.com/office/drawing/2014/main" id="{4CD404CB-1E60-6142-BFA6-DA9478BC82DA}"/>
-              </a:ext>
-            </a:extLst>
-          </p:cNvPr>
-          <p:cNvSpPr/>
+      <p:grpSp>
+        <p:nvGrpSpPr>
+          <p:cNvPr id="2" name="Group 1">
+            <a:extLst>
+              <a:ext uri="{FF2B5EF4-FFF2-40B4-BE49-F238E27FC236}">
+                <a16:creationId xmlns:a16="http://schemas.microsoft.com/office/drawing/2014/main" id="{2CEB7B83-0BE0-7748-946A-BA6C06195FB5}"/>
+              </a:ext>
+            </a:extLst>
+          </p:cNvPr>
+          <p:cNvGrpSpPr/>
           <p:nvPr/>
-        </p:nvSpPr>
-        <p:spPr>
+        </p:nvGrpSpPr>
+        <p:grpSpPr>
           <a:xfrm>
-            <a:off x="2021983" y="2609641"/>
-            <a:ext cx="8053350" cy="2730321"/>
+            <a:off x="2021983" y="941400"/>
+            <a:ext cx="9755858" cy="4398562"/>
+            <a:chOff x="2021983" y="941400"/>
+            <a:chExt cx="9755858" cy="4398562"/>
           </a:xfrm>
-          <a:prstGeom prst="rect">
-            <a:avLst/>
-          </a:prstGeom>
-          <a:noFill/>
-          <a:ln w="25400">
-            <a:solidFill>
+        </p:grpSpPr>
+        <p:sp>
+          <p:nvSpPr>
+            <p:cNvPr id="4" name="Rectangle 3">
+              <a:extLst>
+                <a:ext uri="{FF2B5EF4-FFF2-40B4-BE49-F238E27FC236}">
+                  <a16:creationId xmlns:a16="http://schemas.microsoft.com/office/drawing/2014/main" id="{4CD404CB-1E60-6142-BFA6-DA9478BC82DA}"/>
+                </a:ext>
+              </a:extLst>
+            </p:cNvPr>
+            <p:cNvSpPr/>
+            <p:nvPr/>
+          </p:nvSpPr>
+          <p:spPr>
+            <a:xfrm>
+              <a:off x="2021983" y="2609641"/>
+              <a:ext cx="8053350" cy="2730321"/>
+            </a:xfrm>
+            <a:prstGeom prst="rect">
+              <a:avLst/>
+            </a:prstGeom>
+            <a:noFill/>
+            <a:ln w="25400">
+              <a:solidFill>
+                <a:schemeClr val="tx1"/>
+              </a:solidFill>
+            </a:ln>
+          </p:spPr>
+          <p:style>
+            <a:lnRef idx="2">
+              <a:schemeClr val="accent1">
+                <a:shade val="50000"/>
+              </a:schemeClr>
+            </a:lnRef>
+            <a:fillRef idx="1">
+              <a:schemeClr val="accent1"/>
+            </a:fillRef>
+            <a:effectRef idx="0">
+              <a:schemeClr val="accent1"/>
+            </a:effectRef>
+            <a:fontRef idx="minor">
+              <a:schemeClr val="lt1"/>
+            </a:fontRef>
+          </p:style>
+          <p:txBody>
+            <a:bodyPr rtlCol="0" anchor="ctr"/>
+            <a:lstStyle/>
+            <a:p>
+              <a:pPr algn="ctr"/>
+              <a:endParaRPr lang="en-US" dirty="0">
+                <a:noFill/>
+              </a:endParaRPr>
+            </a:p>
+          </p:txBody>
+        </p:sp>
+        <p:sp>
+          <p:nvSpPr>
+            <p:cNvPr id="5" name="Rectangle 4">
+              <a:extLst>
+                <a:ext uri="{FF2B5EF4-FFF2-40B4-BE49-F238E27FC236}">
+                  <a16:creationId xmlns:a16="http://schemas.microsoft.com/office/drawing/2014/main" id="{4C6DF841-42C4-8A4E-9503-048AB376B9E1}"/>
+                </a:ext>
+              </a:extLst>
+            </p:cNvPr>
+            <p:cNvSpPr/>
+            <p:nvPr/>
+          </p:nvSpPr>
+          <p:spPr>
+            <a:xfrm>
+              <a:off x="2021983" y="2609640"/>
+              <a:ext cx="3362817" cy="2730321"/>
+            </a:xfrm>
+            <a:prstGeom prst="rect">
+              <a:avLst/>
+            </a:prstGeom>
+            <a:noFill/>
+            <a:ln w="25400">
+              <a:solidFill>
+                <a:schemeClr val="tx1"/>
+              </a:solidFill>
+            </a:ln>
+          </p:spPr>
+          <p:style>
+            <a:lnRef idx="2">
+              <a:schemeClr val="accent1">
+                <a:shade val="50000"/>
+              </a:schemeClr>
+            </a:lnRef>
+            <a:fillRef idx="1">
+              <a:schemeClr val="accent1"/>
+            </a:fillRef>
+            <a:effectRef idx="0">
+              <a:schemeClr val="accent1"/>
+            </a:effectRef>
+            <a:fontRef idx="minor">
+              <a:schemeClr val="lt1"/>
+            </a:fontRef>
+          </p:style>
+          <p:txBody>
+            <a:bodyPr rtlCol="0" anchor="ctr"/>
+            <a:lstStyle/>
+            <a:p>
+              <a:pPr algn="ctr"/>
+              <a:endParaRPr lang="en-US" dirty="0">
+                <a:noFill/>
+              </a:endParaRPr>
+            </a:p>
+          </p:txBody>
+        </p:sp>
+        <p:sp>
+          <p:nvSpPr>
+            <p:cNvPr id="7" name="Rectangle 6">
+              <a:extLst>
+                <a:ext uri="{FF2B5EF4-FFF2-40B4-BE49-F238E27FC236}">
+                  <a16:creationId xmlns:a16="http://schemas.microsoft.com/office/drawing/2014/main" id="{0614B97C-C719-5B40-B7CC-7B8E21B5A7B9}"/>
+                </a:ext>
+              </a:extLst>
+            </p:cNvPr>
+            <p:cNvSpPr/>
+            <p:nvPr/>
+          </p:nvSpPr>
+          <p:spPr>
+            <a:xfrm>
+              <a:off x="2021983" y="2594037"/>
+              <a:ext cx="958284" cy="2730321"/>
+            </a:xfrm>
+            <a:prstGeom prst="rect">
+              <a:avLst/>
+            </a:prstGeom>
+            <a:noFill/>
+            <a:ln w="25400">
+              <a:solidFill>
+                <a:schemeClr val="tx1"/>
+              </a:solidFill>
+            </a:ln>
+          </p:spPr>
+          <p:style>
+            <a:lnRef idx="2">
+              <a:schemeClr val="accent1">
+                <a:shade val="50000"/>
+              </a:schemeClr>
+            </a:lnRef>
+            <a:fillRef idx="1">
+              <a:schemeClr val="accent1"/>
+            </a:fillRef>
+            <a:effectRef idx="0">
+              <a:schemeClr val="accent1"/>
+            </a:effectRef>
+            <a:fontRef idx="minor">
+              <a:schemeClr val="lt1"/>
+            </a:fontRef>
+          </p:style>
+          <p:txBody>
+            <a:bodyPr rtlCol="0" anchor="ctr"/>
+            <a:lstStyle/>
+            <a:p>
+              <a:pPr algn="ctr"/>
+              <a:endParaRPr lang="en-US" dirty="0">
+                <a:noFill/>
+              </a:endParaRPr>
+            </a:p>
+          </p:txBody>
+        </p:sp>
+        <p:sp>
+          <p:nvSpPr>
+            <p:cNvPr id="9" name="Rectangle 8">
+              <a:extLst>
+                <a:ext uri="{FF2B5EF4-FFF2-40B4-BE49-F238E27FC236}">
+                  <a16:creationId xmlns:a16="http://schemas.microsoft.com/office/drawing/2014/main" id="{0639F1C3-E6DA-4B4B-98BC-8700513E4D8B}"/>
+                </a:ext>
+              </a:extLst>
+            </p:cNvPr>
+            <p:cNvSpPr/>
+            <p:nvPr/>
+          </p:nvSpPr>
+          <p:spPr>
+            <a:xfrm>
+              <a:off x="3376218" y="941400"/>
+              <a:ext cx="654346" cy="369332"/>
+            </a:xfrm>
+            <a:prstGeom prst="rect">
+              <a:avLst/>
+            </a:prstGeom>
+          </p:spPr>
+          <p:txBody>
+            <a:bodyPr wrap="none">
+              <a:spAutoFit/>
+            </a:bodyPr>
+            <a:lstStyle/>
+            <a:p>
+              <a:r>
+                <a:rPr lang="en-US" dirty="0"/>
+                <a:t>heap</a:t>
+              </a:r>
+            </a:p>
+          </p:txBody>
+        </p:sp>
+        <p:sp>
+          <p:nvSpPr>
+            <p:cNvPr id="10" name="Rectangle 9">
+              <a:extLst>
+                <a:ext uri="{FF2B5EF4-FFF2-40B4-BE49-F238E27FC236}">
+                  <a16:creationId xmlns:a16="http://schemas.microsoft.com/office/drawing/2014/main" id="{084B0615-D673-1346-9C76-A5965FD13B4B}"/>
+                </a:ext>
+              </a:extLst>
+            </p:cNvPr>
+            <p:cNvSpPr/>
+            <p:nvPr/>
+          </p:nvSpPr>
+          <p:spPr>
+            <a:xfrm>
+              <a:off x="2206012" y="3774531"/>
+              <a:ext cx="590226" cy="369332"/>
+            </a:xfrm>
+            <a:prstGeom prst="rect">
+              <a:avLst/>
+            </a:prstGeom>
+          </p:spPr>
+          <p:txBody>
+            <a:bodyPr wrap="none">
+              <a:spAutoFit/>
+            </a:bodyPr>
+            <a:lstStyle/>
+            <a:p>
+              <a:r>
+                <a:rPr lang="en-US" dirty="0" err="1"/>
+                <a:t>xmn</a:t>
+              </a:r>
+              <a:endParaRPr lang="en-US" dirty="0"/>
+            </a:p>
+          </p:txBody>
+        </p:sp>
+        <p:sp>
+          <p:nvSpPr>
+            <p:cNvPr id="11" name="Rectangle 10">
+              <a:extLst>
+                <a:ext uri="{FF2B5EF4-FFF2-40B4-BE49-F238E27FC236}">
+                  <a16:creationId xmlns:a16="http://schemas.microsoft.com/office/drawing/2014/main" id="{B0A43A44-0168-5C4B-B830-86222DF634A8}"/>
+                </a:ext>
+              </a:extLst>
+            </p:cNvPr>
+            <p:cNvSpPr/>
+            <p:nvPr/>
+          </p:nvSpPr>
+          <p:spPr>
+            <a:xfrm>
+              <a:off x="7507523" y="941400"/>
+              <a:ext cx="1117614" cy="369332"/>
+            </a:xfrm>
+            <a:prstGeom prst="rect">
+              <a:avLst/>
+            </a:prstGeom>
+          </p:spPr>
+          <p:txBody>
+            <a:bodyPr wrap="none">
+              <a:spAutoFit/>
+            </a:bodyPr>
+            <a:lstStyle/>
+            <a:p>
+              <a:r>
+                <a:rPr lang="en-US" dirty="0"/>
+                <a:t>Non-heap</a:t>
+              </a:r>
+            </a:p>
+          </p:txBody>
+        </p:sp>
+        <p:cxnSp>
+          <p:nvCxnSpPr>
+            <p:cNvPr id="13" name="Straight Connector 12">
+              <a:extLst>
+                <a:ext uri="{FF2B5EF4-FFF2-40B4-BE49-F238E27FC236}">
+                  <a16:creationId xmlns:a16="http://schemas.microsoft.com/office/drawing/2014/main" id="{109F97CC-6373-CD48-B1CC-46BD496432FE}"/>
+                </a:ext>
+              </a:extLst>
+            </p:cNvPr>
+            <p:cNvCxnSpPr>
+              <a:cxnSpLocks/>
+            </p:cNvCxnSpPr>
+            <p:nvPr/>
+          </p:nvCxnSpPr>
+          <p:spPr>
+            <a:xfrm>
+              <a:off x="5604933" y="1310732"/>
+              <a:ext cx="6172908" cy="0"/>
+            </a:xfrm>
+            <a:prstGeom prst="line">
+              <a:avLst/>
+            </a:prstGeom>
+            <a:ln w="25400">
+              <a:solidFill>
+                <a:schemeClr val="tx1"/>
+              </a:solidFill>
+            </a:ln>
+          </p:spPr>
+          <p:style>
+            <a:lnRef idx="1">
+              <a:schemeClr val="accent1"/>
+            </a:lnRef>
+            <a:fillRef idx="0">
+              <a:schemeClr val="accent1"/>
+            </a:fillRef>
+            <a:effectRef idx="0">
+              <a:schemeClr val="accent1"/>
+            </a:effectRef>
+            <a:fontRef idx="minor">
               <a:schemeClr val="tx1"/>
-            </a:solidFill>
-          </a:ln>
-        </p:spPr>
-        <p:style>
-          <a:lnRef idx="2">
-            <a:schemeClr val="accent1">
-              <a:shade val="50000"/>
-            </a:schemeClr>
-          </a:lnRef>
-          <a:fillRef idx="1">
-            <a:schemeClr val="accent1"/>
-          </a:fillRef>
-          <a:effectRef idx="0">
-            <a:schemeClr val="accent1"/>
-          </a:effectRef>
-          <a:fontRef idx="minor">
-            <a:schemeClr val="lt1"/>
-          </a:fontRef>
-        </p:style>
-        <p:txBody>
-          <a:bodyPr rtlCol="0" anchor="ctr"/>
-          <a:lstStyle/>
-          <a:p>
-            <a:pPr algn="ctr"/>
-            <a:endParaRPr lang="en-US" dirty="0">
-              <a:noFill/>
-            </a:endParaRPr>
-          </a:p>
-        </p:txBody>
-      </p:sp>
-      <p:sp>
-        <p:nvSpPr>
-          <p:cNvPr id="5" name="Rectangle 4">
-            <a:extLst>
-              <a:ext uri="{FF2B5EF4-FFF2-40B4-BE49-F238E27FC236}">
-                <a16:creationId xmlns:a16="http://schemas.microsoft.com/office/drawing/2014/main" id="{4C6DF841-42C4-8A4E-9503-048AB376B9E1}"/>
-              </a:ext>
-            </a:extLst>
-          </p:cNvPr>
-          <p:cNvSpPr/>
-          <p:nvPr/>
-        </p:nvSpPr>
-        <p:spPr>
-          <a:xfrm>
-            <a:off x="2021983" y="2609640"/>
-            <a:ext cx="3362817" cy="2730321"/>
-          </a:xfrm>
-          <a:prstGeom prst="rect">
-            <a:avLst/>
-          </a:prstGeom>
-          <a:noFill/>
-          <a:ln w="25400">
-            <a:solidFill>
+            </a:fontRef>
+          </p:style>
+        </p:cxnSp>
+        <p:cxnSp>
+          <p:nvCxnSpPr>
+            <p:cNvPr id="14" name="Straight Connector 13">
+              <a:extLst>
+                <a:ext uri="{FF2B5EF4-FFF2-40B4-BE49-F238E27FC236}">
+                  <a16:creationId xmlns:a16="http://schemas.microsoft.com/office/drawing/2014/main" id="{905DB721-53CD-B14F-9F2E-9B2F369C2FB6}"/>
+                </a:ext>
+              </a:extLst>
+            </p:cNvPr>
+            <p:cNvCxnSpPr>
+              <a:cxnSpLocks/>
+            </p:cNvCxnSpPr>
+            <p:nvPr/>
+          </p:nvCxnSpPr>
+          <p:spPr>
+            <a:xfrm>
+              <a:off x="2021983" y="1310732"/>
+              <a:ext cx="3115733" cy="0"/>
+            </a:xfrm>
+            <a:prstGeom prst="line">
+              <a:avLst/>
+            </a:prstGeom>
+            <a:ln w="25400">
+              <a:solidFill>
+                <a:schemeClr val="tx1"/>
+              </a:solidFill>
+            </a:ln>
+          </p:spPr>
+          <p:style>
+            <a:lnRef idx="1">
+              <a:schemeClr val="accent1"/>
+            </a:lnRef>
+            <a:fillRef idx="0">
+              <a:schemeClr val="accent1"/>
+            </a:fillRef>
+            <a:effectRef idx="0">
+              <a:schemeClr val="accent1"/>
+            </a:effectRef>
+            <a:fontRef idx="minor">
               <a:schemeClr val="tx1"/>
-            </a:solidFill>
-          </a:ln>
-        </p:spPr>
-        <p:style>
-          <a:lnRef idx="2">
-            <a:schemeClr val="accent1">
-              <a:shade val="50000"/>
-            </a:schemeClr>
-          </a:lnRef>
-          <a:fillRef idx="1">
-            <a:schemeClr val="accent1"/>
-          </a:fillRef>
-          <a:effectRef idx="0">
-            <a:schemeClr val="accent1"/>
-          </a:effectRef>
-          <a:fontRef idx="minor">
-            <a:schemeClr val="lt1"/>
-          </a:fontRef>
-        </p:style>
-        <p:txBody>
-          <a:bodyPr rtlCol="0" anchor="ctr"/>
-          <a:lstStyle/>
-          <a:p>
-            <a:pPr algn="ctr"/>
-            <a:endParaRPr lang="en-US" dirty="0">
-              <a:noFill/>
-            </a:endParaRPr>
-          </a:p>
-        </p:txBody>
-      </p:sp>
-      <p:sp>
-        <p:nvSpPr>
-          <p:cNvPr id="7" name="Rectangle 6">
-            <a:extLst>
-              <a:ext uri="{FF2B5EF4-FFF2-40B4-BE49-F238E27FC236}">
-                <a16:creationId xmlns:a16="http://schemas.microsoft.com/office/drawing/2014/main" id="{0614B97C-C719-5B40-B7CC-7B8E21B5A7B9}"/>
-              </a:ext>
-            </a:extLst>
-          </p:cNvPr>
-          <p:cNvSpPr/>
-          <p:nvPr/>
-        </p:nvSpPr>
-        <p:spPr>
-          <a:xfrm>
-            <a:off x="2021983" y="2594037"/>
-            <a:ext cx="958284" cy="2730321"/>
-          </a:xfrm>
-          <a:prstGeom prst="rect">
-            <a:avLst/>
-          </a:prstGeom>
-          <a:noFill/>
-          <a:ln w="25400">
-            <a:solidFill>
+            </a:fontRef>
+          </p:style>
+        </p:cxnSp>
+        <p:sp>
+          <p:nvSpPr>
+            <p:cNvPr id="17" name="Rectangle 16">
+              <a:extLst>
+                <a:ext uri="{FF2B5EF4-FFF2-40B4-BE49-F238E27FC236}">
+                  <a16:creationId xmlns:a16="http://schemas.microsoft.com/office/drawing/2014/main" id="{A4A925FB-4E02-C045-9EF2-1FBAF78AB234}"/>
+                </a:ext>
+              </a:extLst>
+            </p:cNvPr>
+            <p:cNvSpPr/>
+            <p:nvPr/>
+          </p:nvSpPr>
+          <p:spPr>
+            <a:xfrm>
+              <a:off x="3376218" y="1625291"/>
+              <a:ext cx="1181221" cy="369332"/>
+            </a:xfrm>
+            <a:prstGeom prst="rect">
+              <a:avLst/>
+            </a:prstGeom>
+          </p:spPr>
+          <p:txBody>
+            <a:bodyPr wrap="none">
+              <a:spAutoFit/>
+            </a:bodyPr>
+            <a:lstStyle/>
+            <a:p>
+              <a:r>
+                <a:rPr lang="en-US" dirty="0" err="1"/>
+                <a:t>Xmx</a:t>
+              </a:r>
+              <a:r>
+                <a:rPr lang="en-US" dirty="0"/>
+                <a:t> = </a:t>
+              </a:r>
+              <a:r>
+                <a:rPr lang="en-US" dirty="0" err="1"/>
+                <a:t>xms</a:t>
+              </a:r>
+              <a:endParaRPr lang="en-US" dirty="0"/>
+            </a:p>
+          </p:txBody>
+        </p:sp>
+        <p:sp>
+          <p:nvSpPr>
+            <p:cNvPr id="18" name="Rectangle 17">
+              <a:extLst>
+                <a:ext uri="{FF2B5EF4-FFF2-40B4-BE49-F238E27FC236}">
+                  <a16:creationId xmlns:a16="http://schemas.microsoft.com/office/drawing/2014/main" id="{D4F56B08-D1C8-F349-B794-2C1E02400E60}"/>
+                </a:ext>
+              </a:extLst>
+            </p:cNvPr>
+            <p:cNvSpPr/>
+            <p:nvPr/>
+          </p:nvSpPr>
+          <p:spPr>
+            <a:xfrm>
+              <a:off x="5384799" y="2609640"/>
+              <a:ext cx="1693333" cy="2730321"/>
+            </a:xfrm>
+            <a:prstGeom prst="rect">
+              <a:avLst/>
+            </a:prstGeom>
+            <a:noFill/>
+            <a:ln w="25400">
+              <a:solidFill>
+                <a:schemeClr val="tx1"/>
+              </a:solidFill>
+            </a:ln>
+          </p:spPr>
+          <p:style>
+            <a:lnRef idx="2">
+              <a:schemeClr val="accent1">
+                <a:shade val="50000"/>
+              </a:schemeClr>
+            </a:lnRef>
+            <a:fillRef idx="1">
+              <a:schemeClr val="accent1"/>
+            </a:fillRef>
+            <a:effectRef idx="0">
+              <a:schemeClr val="accent1"/>
+            </a:effectRef>
+            <a:fontRef idx="minor">
+              <a:schemeClr val="lt1"/>
+            </a:fontRef>
+          </p:style>
+          <p:txBody>
+            <a:bodyPr rtlCol="0" anchor="ctr"/>
+            <a:lstStyle/>
+            <a:p>
+              <a:pPr algn="ctr"/>
+              <a:endParaRPr lang="en-US" dirty="0">
+                <a:noFill/>
+              </a:endParaRPr>
+            </a:p>
+          </p:txBody>
+        </p:sp>
+        <p:sp>
+          <p:nvSpPr>
+            <p:cNvPr id="19" name="Rectangle 18">
+              <a:extLst>
+                <a:ext uri="{FF2B5EF4-FFF2-40B4-BE49-F238E27FC236}">
+                  <a16:creationId xmlns:a16="http://schemas.microsoft.com/office/drawing/2014/main" id="{F409F971-3C77-0B49-ADB8-5130453B24E1}"/>
+                </a:ext>
+              </a:extLst>
+            </p:cNvPr>
+            <p:cNvSpPr/>
+            <p:nvPr/>
+          </p:nvSpPr>
+          <p:spPr>
+            <a:xfrm>
+              <a:off x="9313333" y="2609640"/>
+              <a:ext cx="375138" cy="2730321"/>
+            </a:xfrm>
+            <a:prstGeom prst="rect">
+              <a:avLst/>
+            </a:prstGeom>
+            <a:noFill/>
+            <a:ln w="25400">
+              <a:solidFill>
+                <a:schemeClr val="tx1"/>
+              </a:solidFill>
+            </a:ln>
+          </p:spPr>
+          <p:style>
+            <a:lnRef idx="2">
+              <a:schemeClr val="accent1">
+                <a:shade val="50000"/>
+              </a:schemeClr>
+            </a:lnRef>
+            <a:fillRef idx="1">
+              <a:schemeClr val="accent1"/>
+            </a:fillRef>
+            <a:effectRef idx="0">
+              <a:schemeClr val="accent1"/>
+            </a:effectRef>
+            <a:fontRef idx="minor">
+              <a:schemeClr val="lt1"/>
+            </a:fontRef>
+          </p:style>
+          <p:txBody>
+            <a:bodyPr rtlCol="0" anchor="ctr"/>
+            <a:lstStyle/>
+            <a:p>
+              <a:pPr algn="ctr"/>
+              <a:endParaRPr lang="en-US" dirty="0">
+                <a:noFill/>
+              </a:endParaRPr>
+            </a:p>
+          </p:txBody>
+        </p:sp>
+        <p:sp>
+          <p:nvSpPr>
+            <p:cNvPr id="21" name="Rectangle 20">
+              <a:extLst>
+                <a:ext uri="{FF2B5EF4-FFF2-40B4-BE49-F238E27FC236}">
+                  <a16:creationId xmlns:a16="http://schemas.microsoft.com/office/drawing/2014/main" id="{EABA3327-32AB-0440-A9B8-7D107BA3F7DA}"/>
+                </a:ext>
+              </a:extLst>
+            </p:cNvPr>
+            <p:cNvSpPr/>
+            <p:nvPr/>
+          </p:nvSpPr>
+          <p:spPr>
+            <a:xfrm>
+              <a:off x="5508012" y="3685329"/>
+              <a:ext cx="1551771" cy="369332"/>
+            </a:xfrm>
+            <a:prstGeom prst="rect">
+              <a:avLst/>
+            </a:prstGeom>
+          </p:spPr>
+          <p:txBody>
+            <a:bodyPr wrap="none">
+              <a:spAutoFit/>
+            </a:bodyPr>
+            <a:lstStyle/>
+            <a:p>
+              <a:r>
+                <a:rPr lang="en-US" dirty="0" err="1"/>
+                <a:t>DirectMemory</a:t>
+              </a:r>
+              <a:endParaRPr lang="en-US" dirty="0"/>
+            </a:p>
+          </p:txBody>
+        </p:sp>
+        <p:sp>
+          <p:nvSpPr>
+            <p:cNvPr id="22" name="Rectangle 21">
+              <a:extLst>
+                <a:ext uri="{FF2B5EF4-FFF2-40B4-BE49-F238E27FC236}">
+                  <a16:creationId xmlns:a16="http://schemas.microsoft.com/office/drawing/2014/main" id="{BC032A1D-DA5E-584F-B905-A951503814B6}"/>
+                </a:ext>
+              </a:extLst>
+            </p:cNvPr>
+            <p:cNvSpPr/>
+            <p:nvPr/>
+          </p:nvSpPr>
+          <p:spPr>
+            <a:xfrm>
+              <a:off x="7572492" y="3685329"/>
+              <a:ext cx="680764" cy="369332"/>
+            </a:xfrm>
+            <a:prstGeom prst="rect">
+              <a:avLst/>
+            </a:prstGeom>
+          </p:spPr>
+          <p:txBody>
+            <a:bodyPr wrap="none">
+              <a:spAutoFit/>
+            </a:bodyPr>
+            <a:lstStyle/>
+            <a:p>
+              <a:r>
+                <a:rPr lang="en-US" dirty="0"/>
+                <a:t>Meta</a:t>
+              </a:r>
+            </a:p>
+          </p:txBody>
+        </p:sp>
+        <p:sp>
+          <p:nvSpPr>
+            <p:cNvPr id="23" name="Rectangle 22">
+              <a:extLst>
+                <a:ext uri="{FF2B5EF4-FFF2-40B4-BE49-F238E27FC236}">
+                  <a16:creationId xmlns:a16="http://schemas.microsoft.com/office/drawing/2014/main" id="{648CFB74-3431-1F49-86FE-CAF1EE9186E7}"/>
+                </a:ext>
+              </a:extLst>
+            </p:cNvPr>
+            <p:cNvSpPr/>
+            <p:nvPr/>
+          </p:nvSpPr>
+          <p:spPr>
+            <a:xfrm>
+              <a:off x="8632196" y="2609640"/>
+              <a:ext cx="375138" cy="2730321"/>
+            </a:xfrm>
+            <a:prstGeom prst="rect">
+              <a:avLst/>
+            </a:prstGeom>
+            <a:noFill/>
+            <a:ln w="25400">
+              <a:solidFill>
+                <a:schemeClr val="tx1"/>
+              </a:solidFill>
+            </a:ln>
+          </p:spPr>
+          <p:style>
+            <a:lnRef idx="2">
+              <a:schemeClr val="accent1">
+                <a:shade val="50000"/>
+              </a:schemeClr>
+            </a:lnRef>
+            <a:fillRef idx="1">
+              <a:schemeClr val="accent1"/>
+            </a:fillRef>
+            <a:effectRef idx="0">
+              <a:schemeClr val="accent1"/>
+            </a:effectRef>
+            <a:fontRef idx="minor">
+              <a:schemeClr val="lt1"/>
+            </a:fontRef>
+          </p:style>
+          <p:txBody>
+            <a:bodyPr rtlCol="0" anchor="ctr"/>
+            <a:lstStyle/>
+            <a:p>
+              <a:pPr algn="ctr"/>
+              <a:endParaRPr lang="en-US" dirty="0">
+                <a:noFill/>
+              </a:endParaRPr>
+            </a:p>
+          </p:txBody>
+        </p:sp>
+        <p:sp>
+          <p:nvSpPr>
+            <p:cNvPr id="24" name="Rectangle 23">
+              <a:extLst>
+                <a:ext uri="{FF2B5EF4-FFF2-40B4-BE49-F238E27FC236}">
+                  <a16:creationId xmlns:a16="http://schemas.microsoft.com/office/drawing/2014/main" id="{85A46098-31FA-9844-8C6C-C24426F09A64}"/>
+                </a:ext>
+              </a:extLst>
+            </p:cNvPr>
+            <p:cNvSpPr/>
+            <p:nvPr/>
+          </p:nvSpPr>
+          <p:spPr>
+            <a:xfrm rot="5563775">
+              <a:off x="9657924" y="3869995"/>
+              <a:ext cx="462242" cy="369332"/>
+            </a:xfrm>
+            <a:prstGeom prst="rect">
+              <a:avLst/>
+            </a:prstGeom>
+          </p:spPr>
+          <p:txBody>
+            <a:bodyPr wrap="none">
+              <a:spAutoFit/>
+            </a:bodyPr>
+            <a:lstStyle/>
+            <a:p>
+              <a:r>
+                <a:rPr lang="en-US" dirty="0" err="1"/>
+                <a:t>xss</a:t>
+              </a:r>
+              <a:endParaRPr lang="en-US" dirty="0"/>
+            </a:p>
+          </p:txBody>
+        </p:sp>
+        <p:sp>
+          <p:nvSpPr>
+            <p:cNvPr id="25" name="Rectangle 24">
+              <a:extLst>
+                <a:ext uri="{FF2B5EF4-FFF2-40B4-BE49-F238E27FC236}">
+                  <a16:creationId xmlns:a16="http://schemas.microsoft.com/office/drawing/2014/main" id="{687ACFED-7FF4-F946-AFD7-9C1D81CDA8C3}"/>
+                </a:ext>
+              </a:extLst>
+            </p:cNvPr>
+            <p:cNvSpPr/>
+            <p:nvPr/>
+          </p:nvSpPr>
+          <p:spPr>
+            <a:xfrm>
+              <a:off x="10084508" y="2609640"/>
+              <a:ext cx="1693333" cy="2730321"/>
+            </a:xfrm>
+            <a:prstGeom prst="rect">
+              <a:avLst/>
+            </a:prstGeom>
+            <a:noFill/>
+            <a:ln w="25400">
+              <a:solidFill>
+                <a:schemeClr val="tx1"/>
+              </a:solidFill>
+            </a:ln>
+          </p:spPr>
+          <p:style>
+            <a:lnRef idx="2">
+              <a:schemeClr val="accent1">
+                <a:shade val="50000"/>
+              </a:schemeClr>
+            </a:lnRef>
+            <a:fillRef idx="1">
+              <a:schemeClr val="accent1"/>
+            </a:fillRef>
+            <a:effectRef idx="0">
+              <a:schemeClr val="accent1"/>
+            </a:effectRef>
+            <a:fontRef idx="minor">
+              <a:schemeClr val="lt1"/>
+            </a:fontRef>
+          </p:style>
+          <p:txBody>
+            <a:bodyPr rtlCol="0" anchor="ctr"/>
+            <a:lstStyle/>
+            <a:p>
+              <a:pPr algn="ctr"/>
+              <a:endParaRPr lang="en-US" dirty="0">
+                <a:noFill/>
+              </a:endParaRPr>
+            </a:p>
+          </p:txBody>
+        </p:sp>
+        <p:sp>
+          <p:nvSpPr>
+            <p:cNvPr id="27" name="Rectangle 26">
+              <a:extLst>
+                <a:ext uri="{FF2B5EF4-FFF2-40B4-BE49-F238E27FC236}">
+                  <a16:creationId xmlns:a16="http://schemas.microsoft.com/office/drawing/2014/main" id="{DA48AEB1-428D-1B4D-985C-3ECE096AD18E}"/>
+                </a:ext>
+              </a:extLst>
+            </p:cNvPr>
+            <p:cNvSpPr/>
+            <p:nvPr/>
+          </p:nvSpPr>
+          <p:spPr>
+            <a:xfrm rot="5563775">
+              <a:off x="9302323" y="3853065"/>
+              <a:ext cx="462242" cy="369332"/>
+            </a:xfrm>
+            <a:prstGeom prst="rect">
+              <a:avLst/>
+            </a:prstGeom>
+          </p:spPr>
+          <p:txBody>
+            <a:bodyPr wrap="none">
+              <a:spAutoFit/>
+            </a:bodyPr>
+            <a:lstStyle/>
+            <a:p>
+              <a:r>
+                <a:rPr lang="en-US" dirty="0" err="1"/>
+                <a:t>xss</a:t>
+              </a:r>
+              <a:endParaRPr lang="en-US" dirty="0"/>
+            </a:p>
+          </p:txBody>
+        </p:sp>
+        <p:sp>
+          <p:nvSpPr>
+            <p:cNvPr id="28" name="Rectangle 27">
+              <a:extLst>
+                <a:ext uri="{FF2B5EF4-FFF2-40B4-BE49-F238E27FC236}">
+                  <a16:creationId xmlns:a16="http://schemas.microsoft.com/office/drawing/2014/main" id="{F8C45EF9-51DD-BC49-8F49-31CC71F5A80C}"/>
+                </a:ext>
+              </a:extLst>
+            </p:cNvPr>
+            <p:cNvSpPr/>
+            <p:nvPr/>
+          </p:nvSpPr>
+          <p:spPr>
+            <a:xfrm rot="5563775">
+              <a:off x="9056963" y="3836135"/>
+              <a:ext cx="343364" cy="369332"/>
+            </a:xfrm>
+            <a:prstGeom prst="rect">
+              <a:avLst/>
+            </a:prstGeom>
+          </p:spPr>
+          <p:txBody>
+            <a:bodyPr wrap="none">
+              <a:spAutoFit/>
+            </a:bodyPr>
+            <a:lstStyle/>
+            <a:p>
+              <a:r>
+                <a:rPr lang="en-US" dirty="0"/>
+                <a:t>…</a:t>
+              </a:r>
+            </a:p>
+          </p:txBody>
+        </p:sp>
+        <p:sp>
+          <p:nvSpPr>
+            <p:cNvPr id="29" name="Rectangle 28">
+              <a:extLst>
+                <a:ext uri="{FF2B5EF4-FFF2-40B4-BE49-F238E27FC236}">
+                  <a16:creationId xmlns:a16="http://schemas.microsoft.com/office/drawing/2014/main" id="{22314E63-49C5-1D4F-9CF3-031E8AC74256}"/>
+                </a:ext>
+              </a:extLst>
+            </p:cNvPr>
+            <p:cNvSpPr/>
+            <p:nvPr/>
+          </p:nvSpPr>
+          <p:spPr>
+            <a:xfrm>
+              <a:off x="8910838" y="1949970"/>
+              <a:ext cx="898195" cy="369332"/>
+            </a:xfrm>
+            <a:prstGeom prst="rect">
+              <a:avLst/>
+            </a:prstGeom>
+          </p:spPr>
+          <p:txBody>
+            <a:bodyPr wrap="none">
+              <a:spAutoFit/>
+            </a:bodyPr>
+            <a:lstStyle/>
+            <a:p>
+              <a:r>
+                <a:rPr lang="en-US" dirty="0"/>
+                <a:t>threads</a:t>
+              </a:r>
+            </a:p>
+          </p:txBody>
+        </p:sp>
+        <p:cxnSp>
+          <p:nvCxnSpPr>
+            <p:cNvPr id="30" name="Straight Connector 29">
+              <a:extLst>
+                <a:ext uri="{FF2B5EF4-FFF2-40B4-BE49-F238E27FC236}">
+                  <a16:creationId xmlns:a16="http://schemas.microsoft.com/office/drawing/2014/main" id="{6443FF18-7664-7940-87BF-9BEB01DB1BA1}"/>
+                </a:ext>
+              </a:extLst>
+            </p:cNvPr>
+            <p:cNvCxnSpPr>
+              <a:cxnSpLocks/>
+            </p:cNvCxnSpPr>
+            <p:nvPr/>
+          </p:nvCxnSpPr>
+          <p:spPr>
+            <a:xfrm>
+              <a:off x="8625137" y="2348313"/>
+              <a:ext cx="1469599" cy="0"/>
+            </a:xfrm>
+            <a:prstGeom prst="line">
+              <a:avLst/>
+            </a:prstGeom>
+            <a:ln w="25400">
+              <a:solidFill>
+                <a:schemeClr val="tx1"/>
+              </a:solidFill>
+            </a:ln>
+          </p:spPr>
+          <p:style>
+            <a:lnRef idx="1">
+              <a:schemeClr val="accent1"/>
+            </a:lnRef>
+            <a:fillRef idx="0">
+              <a:schemeClr val="accent1"/>
+            </a:fillRef>
+            <a:effectRef idx="0">
+              <a:schemeClr val="accent1"/>
+            </a:effectRef>
+            <a:fontRef idx="minor">
               <a:schemeClr val="tx1"/>
-            </a:solidFill>
-          </a:ln>
-        </p:spPr>
-        <p:style>
-          <a:lnRef idx="2">
-            <a:schemeClr val="accent1">
-              <a:shade val="50000"/>
-            </a:schemeClr>
-          </a:lnRef>
-          <a:fillRef idx="1">
-            <a:schemeClr val="accent1"/>
-          </a:fillRef>
-          <a:effectRef idx="0">
-            <a:schemeClr val="accent1"/>
-          </a:effectRef>
-          <a:fontRef idx="minor">
-            <a:schemeClr val="lt1"/>
-          </a:fontRef>
-        </p:style>
-        <p:txBody>
-          <a:bodyPr rtlCol="0" anchor="ctr"/>
-          <a:lstStyle/>
-          <a:p>
-            <a:pPr algn="ctr"/>
-            <a:endParaRPr lang="en-US" dirty="0">
-              <a:noFill/>
-            </a:endParaRPr>
-          </a:p>
-        </p:txBody>
-      </p:sp>
-      <p:sp>
-        <p:nvSpPr>
-          <p:cNvPr id="9" name="Rectangle 8">
-            <a:extLst>
-              <a:ext uri="{FF2B5EF4-FFF2-40B4-BE49-F238E27FC236}">
-                <a16:creationId xmlns:a16="http://schemas.microsoft.com/office/drawing/2014/main" id="{0639F1C3-E6DA-4B4B-98BC-8700513E4D8B}"/>
-              </a:ext>
-            </a:extLst>
-          </p:cNvPr>
-          <p:cNvSpPr/>
-          <p:nvPr/>
-        </p:nvSpPr>
-        <p:spPr>
-          <a:xfrm>
-            <a:off x="3376218" y="941400"/>
-            <a:ext cx="654346" cy="369332"/>
-          </a:xfrm>
-          <a:prstGeom prst="rect">
-            <a:avLst/>
-          </a:prstGeom>
-        </p:spPr>
-        <p:txBody>
-          <a:bodyPr wrap="none">
-            <a:spAutoFit/>
-          </a:bodyPr>
-          <a:lstStyle/>
-          <a:p>
-            <a:r>
-              <a:rPr lang="en-US" dirty="0"/>
-              <a:t>heap</a:t>
-            </a:r>
-          </a:p>
-        </p:txBody>
-      </p:sp>
-      <p:sp>
-        <p:nvSpPr>
-          <p:cNvPr id="10" name="Rectangle 9">
-            <a:extLst>
-              <a:ext uri="{FF2B5EF4-FFF2-40B4-BE49-F238E27FC236}">
-                <a16:creationId xmlns:a16="http://schemas.microsoft.com/office/drawing/2014/main" id="{084B0615-D673-1346-9C76-A5965FD13B4B}"/>
-              </a:ext>
-            </a:extLst>
-          </p:cNvPr>
-          <p:cNvSpPr/>
-          <p:nvPr/>
-        </p:nvSpPr>
-        <p:spPr>
-          <a:xfrm>
-            <a:off x="2206012" y="3774531"/>
-            <a:ext cx="590226" cy="369332"/>
-          </a:xfrm>
-          <a:prstGeom prst="rect">
-            <a:avLst/>
-          </a:prstGeom>
-        </p:spPr>
-        <p:txBody>
-          <a:bodyPr wrap="none">
-            <a:spAutoFit/>
-          </a:bodyPr>
-          <a:lstStyle/>
-          <a:p>
-            <a:r>
-              <a:rPr lang="en-US" dirty="0" err="1"/>
-              <a:t>xmn</a:t>
-            </a:r>
-            <a:endParaRPr lang="en-US" dirty="0"/>
-          </a:p>
-        </p:txBody>
-      </p:sp>
-      <p:sp>
-        <p:nvSpPr>
-          <p:cNvPr id="11" name="Rectangle 10">
-            <a:extLst>
-              <a:ext uri="{FF2B5EF4-FFF2-40B4-BE49-F238E27FC236}">
-                <a16:creationId xmlns:a16="http://schemas.microsoft.com/office/drawing/2014/main" id="{B0A43A44-0168-5C4B-B830-86222DF634A8}"/>
-              </a:ext>
-            </a:extLst>
-          </p:cNvPr>
-          <p:cNvSpPr/>
-          <p:nvPr/>
-        </p:nvSpPr>
-        <p:spPr>
-          <a:xfrm>
-            <a:off x="7507523" y="941400"/>
-            <a:ext cx="1117614" cy="369332"/>
-          </a:xfrm>
-          <a:prstGeom prst="rect">
-            <a:avLst/>
-          </a:prstGeom>
-        </p:spPr>
-        <p:txBody>
-          <a:bodyPr wrap="none">
-            <a:spAutoFit/>
-          </a:bodyPr>
-          <a:lstStyle/>
-          <a:p>
-            <a:r>
-              <a:rPr lang="en-US" dirty="0"/>
-              <a:t>Non-heap</a:t>
-            </a:r>
-          </a:p>
-        </p:txBody>
-      </p:sp>
-      <p:cxnSp>
-        <p:nvCxnSpPr>
-          <p:cNvPr id="13" name="Straight Connector 12">
-            <a:extLst>
-              <a:ext uri="{FF2B5EF4-FFF2-40B4-BE49-F238E27FC236}">
-                <a16:creationId xmlns:a16="http://schemas.microsoft.com/office/drawing/2014/main" id="{109F97CC-6373-CD48-B1CC-46BD496432FE}"/>
-              </a:ext>
-            </a:extLst>
-          </p:cNvPr>
-          <p:cNvCxnSpPr>
-            <a:cxnSpLocks/>
-          </p:cNvCxnSpPr>
-          <p:nvPr/>
-        </p:nvCxnSpPr>
-        <p:spPr>
-          <a:xfrm>
-            <a:off x="5604933" y="1310732"/>
-            <a:ext cx="6172908" cy="0"/>
-          </a:xfrm>
-          <a:prstGeom prst="line">
-            <a:avLst/>
-          </a:prstGeom>
-          <a:ln w="25400">
-            <a:solidFill>
-              <a:schemeClr val="tx1"/>
-            </a:solidFill>
-          </a:ln>
-        </p:spPr>
-        <p:style>
-          <a:lnRef idx="1">
-            <a:schemeClr val="accent1"/>
-          </a:lnRef>
-          <a:fillRef idx="0">
-            <a:schemeClr val="accent1"/>
-          </a:fillRef>
-          <a:effectRef idx="0">
-            <a:schemeClr val="accent1"/>
-          </a:effectRef>
-          <a:fontRef idx="minor">
-            <a:schemeClr val="tx1"/>
-          </a:fontRef>
-        </p:style>
-      </p:cxnSp>
-      <p:cxnSp>
-        <p:nvCxnSpPr>
-          <p:cNvPr id="14" name="Straight Connector 13">
-            <a:extLst>
-              <a:ext uri="{FF2B5EF4-FFF2-40B4-BE49-F238E27FC236}">
-                <a16:creationId xmlns:a16="http://schemas.microsoft.com/office/drawing/2014/main" id="{905DB721-53CD-B14F-9F2E-9B2F369C2FB6}"/>
-              </a:ext>
-            </a:extLst>
-          </p:cNvPr>
-          <p:cNvCxnSpPr>
-            <a:cxnSpLocks/>
-          </p:cNvCxnSpPr>
-          <p:nvPr/>
-        </p:nvCxnSpPr>
-        <p:spPr>
-          <a:xfrm>
-            <a:off x="2021983" y="1310732"/>
-            <a:ext cx="3115733" cy="0"/>
-          </a:xfrm>
-          <a:prstGeom prst="line">
-            <a:avLst/>
-          </a:prstGeom>
-          <a:ln w="25400">
-            <a:solidFill>
-              <a:schemeClr val="tx1"/>
-            </a:solidFill>
-          </a:ln>
-        </p:spPr>
-        <p:style>
-          <a:lnRef idx="1">
-            <a:schemeClr val="accent1"/>
-          </a:lnRef>
-          <a:fillRef idx="0">
-            <a:schemeClr val="accent1"/>
-          </a:fillRef>
-          <a:effectRef idx="0">
-            <a:schemeClr val="accent1"/>
-          </a:effectRef>
-          <a:fontRef idx="minor">
-            <a:schemeClr val="tx1"/>
-          </a:fontRef>
-        </p:style>
-      </p:cxnSp>
-      <p:sp>
-        <p:nvSpPr>
-          <p:cNvPr id="17" name="Rectangle 16">
-            <a:extLst>
-              <a:ext uri="{FF2B5EF4-FFF2-40B4-BE49-F238E27FC236}">
-                <a16:creationId xmlns:a16="http://schemas.microsoft.com/office/drawing/2014/main" id="{A4A925FB-4E02-C045-9EF2-1FBAF78AB234}"/>
-              </a:ext>
-            </a:extLst>
-          </p:cNvPr>
-          <p:cNvSpPr/>
-          <p:nvPr/>
-        </p:nvSpPr>
-        <p:spPr>
-          <a:xfrm>
-            <a:off x="3376218" y="1625291"/>
-            <a:ext cx="1181221" cy="369332"/>
-          </a:xfrm>
-          <a:prstGeom prst="rect">
-            <a:avLst/>
-          </a:prstGeom>
-        </p:spPr>
-        <p:txBody>
-          <a:bodyPr wrap="none">
-            <a:spAutoFit/>
-          </a:bodyPr>
-          <a:lstStyle/>
-          <a:p>
-            <a:r>
-              <a:rPr lang="en-US" dirty="0" err="1"/>
-              <a:t>Xmx</a:t>
-            </a:r>
-            <a:r>
-              <a:rPr lang="en-US" dirty="0"/>
-              <a:t> = </a:t>
-            </a:r>
-            <a:r>
-              <a:rPr lang="en-US" dirty="0" err="1"/>
-              <a:t>xms</a:t>
-            </a:r>
-            <a:endParaRPr lang="en-US" dirty="0"/>
-          </a:p>
-        </p:txBody>
-      </p:sp>
-      <p:sp>
-        <p:nvSpPr>
-          <p:cNvPr id="18" name="Rectangle 17">
-            <a:extLst>
-              <a:ext uri="{FF2B5EF4-FFF2-40B4-BE49-F238E27FC236}">
-                <a16:creationId xmlns:a16="http://schemas.microsoft.com/office/drawing/2014/main" id="{D4F56B08-D1C8-F349-B794-2C1E02400E60}"/>
-              </a:ext>
-            </a:extLst>
-          </p:cNvPr>
-          <p:cNvSpPr/>
-          <p:nvPr/>
-        </p:nvSpPr>
-        <p:spPr>
-          <a:xfrm>
-            <a:off x="5384799" y="2609640"/>
-            <a:ext cx="1693333" cy="2730321"/>
-          </a:xfrm>
-          <a:prstGeom prst="rect">
-            <a:avLst/>
-          </a:prstGeom>
-          <a:noFill/>
-          <a:ln w="25400">
-            <a:solidFill>
-              <a:schemeClr val="tx1"/>
-            </a:solidFill>
-          </a:ln>
-        </p:spPr>
-        <p:style>
-          <a:lnRef idx="2">
-            <a:schemeClr val="accent1">
-              <a:shade val="50000"/>
-            </a:schemeClr>
-          </a:lnRef>
-          <a:fillRef idx="1">
-            <a:schemeClr val="accent1"/>
-          </a:fillRef>
-          <a:effectRef idx="0">
-            <a:schemeClr val="accent1"/>
-          </a:effectRef>
-          <a:fontRef idx="minor">
-            <a:schemeClr val="lt1"/>
-          </a:fontRef>
-        </p:style>
-        <p:txBody>
-          <a:bodyPr rtlCol="0" anchor="ctr"/>
-          <a:lstStyle/>
-          <a:p>
-            <a:pPr algn="ctr"/>
-            <a:endParaRPr lang="en-US" dirty="0">
-              <a:noFill/>
-            </a:endParaRPr>
-          </a:p>
-        </p:txBody>
-      </p:sp>
-      <p:sp>
-        <p:nvSpPr>
-          <p:cNvPr id="19" name="Rectangle 18">
-            <a:extLst>
-              <a:ext uri="{FF2B5EF4-FFF2-40B4-BE49-F238E27FC236}">
-                <a16:creationId xmlns:a16="http://schemas.microsoft.com/office/drawing/2014/main" id="{F409F971-3C77-0B49-ADB8-5130453B24E1}"/>
-              </a:ext>
-            </a:extLst>
-          </p:cNvPr>
-          <p:cNvSpPr/>
-          <p:nvPr/>
-        </p:nvSpPr>
-        <p:spPr>
-          <a:xfrm>
-            <a:off x="9313333" y="2609640"/>
-            <a:ext cx="375138" cy="2730321"/>
-          </a:xfrm>
-          <a:prstGeom prst="rect">
-            <a:avLst/>
-          </a:prstGeom>
-          <a:noFill/>
-          <a:ln w="25400">
-            <a:solidFill>
-              <a:schemeClr val="tx1"/>
-            </a:solidFill>
-          </a:ln>
-        </p:spPr>
-        <p:style>
-          <a:lnRef idx="2">
-            <a:schemeClr val="accent1">
-              <a:shade val="50000"/>
-            </a:schemeClr>
-          </a:lnRef>
-          <a:fillRef idx="1">
-            <a:schemeClr val="accent1"/>
-          </a:fillRef>
-          <a:effectRef idx="0">
-            <a:schemeClr val="accent1"/>
-          </a:effectRef>
-          <a:fontRef idx="minor">
-            <a:schemeClr val="lt1"/>
-          </a:fontRef>
-        </p:style>
-        <p:txBody>
-          <a:bodyPr rtlCol="0" anchor="ctr"/>
-          <a:lstStyle/>
-          <a:p>
-            <a:pPr algn="ctr"/>
-            <a:endParaRPr lang="en-US" dirty="0">
-              <a:noFill/>
-            </a:endParaRPr>
-          </a:p>
-        </p:txBody>
-      </p:sp>
-      <p:sp>
-        <p:nvSpPr>
-          <p:cNvPr id="21" name="Rectangle 20">
-            <a:extLst>
-              <a:ext uri="{FF2B5EF4-FFF2-40B4-BE49-F238E27FC236}">
-                <a16:creationId xmlns:a16="http://schemas.microsoft.com/office/drawing/2014/main" id="{EABA3327-32AB-0440-A9B8-7D107BA3F7DA}"/>
-              </a:ext>
-            </a:extLst>
-          </p:cNvPr>
-          <p:cNvSpPr/>
-          <p:nvPr/>
-        </p:nvSpPr>
-        <p:spPr>
-          <a:xfrm>
-            <a:off x="5508012" y="3685329"/>
-            <a:ext cx="1551771" cy="369332"/>
-          </a:xfrm>
-          <a:prstGeom prst="rect">
-            <a:avLst/>
-          </a:prstGeom>
-        </p:spPr>
-        <p:txBody>
-          <a:bodyPr wrap="none">
-            <a:spAutoFit/>
-          </a:bodyPr>
-          <a:lstStyle/>
-          <a:p>
-            <a:r>
-              <a:rPr lang="en-US" dirty="0" err="1"/>
-              <a:t>DirectMemory</a:t>
-            </a:r>
-            <a:endParaRPr lang="en-US" dirty="0"/>
-          </a:p>
-        </p:txBody>
-      </p:sp>
-      <p:sp>
-        <p:nvSpPr>
-          <p:cNvPr id="22" name="Rectangle 21">
-            <a:extLst>
-              <a:ext uri="{FF2B5EF4-FFF2-40B4-BE49-F238E27FC236}">
-                <a16:creationId xmlns:a16="http://schemas.microsoft.com/office/drawing/2014/main" id="{BC032A1D-DA5E-584F-B905-A951503814B6}"/>
-              </a:ext>
-            </a:extLst>
-          </p:cNvPr>
-          <p:cNvSpPr/>
-          <p:nvPr/>
-        </p:nvSpPr>
-        <p:spPr>
-          <a:xfrm>
-            <a:off x="7572492" y="3685329"/>
-            <a:ext cx="680764" cy="369332"/>
-          </a:xfrm>
-          <a:prstGeom prst="rect">
-            <a:avLst/>
-          </a:prstGeom>
-        </p:spPr>
-        <p:txBody>
-          <a:bodyPr wrap="none">
-            <a:spAutoFit/>
-          </a:bodyPr>
-          <a:lstStyle/>
-          <a:p>
-            <a:r>
-              <a:rPr lang="en-US" dirty="0"/>
-              <a:t>Meta</a:t>
-            </a:r>
-          </a:p>
-        </p:txBody>
-      </p:sp>
-      <p:sp>
-        <p:nvSpPr>
-          <p:cNvPr id="23" name="Rectangle 22">
-            <a:extLst>
-              <a:ext uri="{FF2B5EF4-FFF2-40B4-BE49-F238E27FC236}">
-                <a16:creationId xmlns:a16="http://schemas.microsoft.com/office/drawing/2014/main" id="{648CFB74-3431-1F49-86FE-CAF1EE9186E7}"/>
-              </a:ext>
-            </a:extLst>
-          </p:cNvPr>
-          <p:cNvSpPr/>
-          <p:nvPr/>
-        </p:nvSpPr>
-        <p:spPr>
-          <a:xfrm>
-            <a:off x="8632196" y="2609640"/>
-            <a:ext cx="375138" cy="2730321"/>
-          </a:xfrm>
-          <a:prstGeom prst="rect">
-            <a:avLst/>
-          </a:prstGeom>
-          <a:noFill/>
-          <a:ln w="25400">
-            <a:solidFill>
-              <a:schemeClr val="tx1"/>
-            </a:solidFill>
-          </a:ln>
-        </p:spPr>
-        <p:style>
-          <a:lnRef idx="2">
-            <a:schemeClr val="accent1">
-              <a:shade val="50000"/>
-            </a:schemeClr>
-          </a:lnRef>
-          <a:fillRef idx="1">
-            <a:schemeClr val="accent1"/>
-          </a:fillRef>
-          <a:effectRef idx="0">
-            <a:schemeClr val="accent1"/>
-          </a:effectRef>
-          <a:fontRef idx="minor">
-            <a:schemeClr val="lt1"/>
-          </a:fontRef>
-        </p:style>
-        <p:txBody>
-          <a:bodyPr rtlCol="0" anchor="ctr"/>
-          <a:lstStyle/>
-          <a:p>
-            <a:pPr algn="ctr"/>
-            <a:endParaRPr lang="en-US" dirty="0">
-              <a:noFill/>
-            </a:endParaRPr>
-          </a:p>
-        </p:txBody>
-      </p:sp>
-      <p:sp>
-        <p:nvSpPr>
-          <p:cNvPr id="24" name="Rectangle 23">
-            <a:extLst>
-              <a:ext uri="{FF2B5EF4-FFF2-40B4-BE49-F238E27FC236}">
-                <a16:creationId xmlns:a16="http://schemas.microsoft.com/office/drawing/2014/main" id="{85A46098-31FA-9844-8C6C-C24426F09A64}"/>
-              </a:ext>
-            </a:extLst>
-          </p:cNvPr>
-          <p:cNvSpPr/>
-          <p:nvPr/>
-        </p:nvSpPr>
-        <p:spPr>
-          <a:xfrm rot="5563775">
-            <a:off x="9657924" y="3869995"/>
-            <a:ext cx="462242" cy="369332"/>
-          </a:xfrm>
-          <a:prstGeom prst="rect">
-            <a:avLst/>
-          </a:prstGeom>
-        </p:spPr>
-        <p:txBody>
-          <a:bodyPr wrap="none">
-            <a:spAutoFit/>
-          </a:bodyPr>
-          <a:lstStyle/>
-          <a:p>
-            <a:r>
-              <a:rPr lang="en-US" dirty="0" err="1"/>
-              <a:t>xss</a:t>
-            </a:r>
-            <a:endParaRPr lang="en-US" dirty="0"/>
-          </a:p>
-        </p:txBody>
-      </p:sp>
-      <p:sp>
-        <p:nvSpPr>
-          <p:cNvPr id="25" name="Rectangle 24">
-            <a:extLst>
-              <a:ext uri="{FF2B5EF4-FFF2-40B4-BE49-F238E27FC236}">
-                <a16:creationId xmlns:a16="http://schemas.microsoft.com/office/drawing/2014/main" id="{687ACFED-7FF4-F946-AFD7-9C1D81CDA8C3}"/>
-              </a:ext>
-            </a:extLst>
-          </p:cNvPr>
-          <p:cNvSpPr/>
-          <p:nvPr/>
-        </p:nvSpPr>
-        <p:spPr>
-          <a:xfrm>
-            <a:off x="10084508" y="2609640"/>
-            <a:ext cx="1693333" cy="2730321"/>
-          </a:xfrm>
-          <a:prstGeom prst="rect">
-            <a:avLst/>
-          </a:prstGeom>
-          <a:noFill/>
-          <a:ln w="25400">
-            <a:solidFill>
-              <a:schemeClr val="tx1"/>
-            </a:solidFill>
-          </a:ln>
-        </p:spPr>
-        <p:style>
-          <a:lnRef idx="2">
-            <a:schemeClr val="accent1">
-              <a:shade val="50000"/>
-            </a:schemeClr>
-          </a:lnRef>
-          <a:fillRef idx="1">
-            <a:schemeClr val="accent1"/>
-          </a:fillRef>
-          <a:effectRef idx="0">
-            <a:schemeClr val="accent1"/>
-          </a:effectRef>
-          <a:fontRef idx="minor">
-            <a:schemeClr val="lt1"/>
-          </a:fontRef>
-        </p:style>
-        <p:txBody>
-          <a:bodyPr rtlCol="0" anchor="ctr"/>
-          <a:lstStyle/>
-          <a:p>
-            <a:pPr algn="ctr"/>
-            <a:endParaRPr lang="en-US" dirty="0">
-              <a:noFill/>
-            </a:endParaRPr>
-          </a:p>
-        </p:txBody>
-      </p:sp>
-      <p:sp>
-        <p:nvSpPr>
-          <p:cNvPr id="27" name="Rectangle 26">
-            <a:extLst>
-              <a:ext uri="{FF2B5EF4-FFF2-40B4-BE49-F238E27FC236}">
-                <a16:creationId xmlns:a16="http://schemas.microsoft.com/office/drawing/2014/main" id="{DA48AEB1-428D-1B4D-985C-3ECE096AD18E}"/>
-              </a:ext>
-            </a:extLst>
-          </p:cNvPr>
-          <p:cNvSpPr/>
-          <p:nvPr/>
-        </p:nvSpPr>
-        <p:spPr>
-          <a:xfrm rot="5563775">
-            <a:off x="9302323" y="3853065"/>
-            <a:ext cx="462242" cy="369332"/>
-          </a:xfrm>
-          <a:prstGeom prst="rect">
-            <a:avLst/>
-          </a:prstGeom>
-        </p:spPr>
-        <p:txBody>
-          <a:bodyPr wrap="none">
-            <a:spAutoFit/>
-          </a:bodyPr>
-          <a:lstStyle/>
-          <a:p>
-            <a:r>
-              <a:rPr lang="en-US" dirty="0" err="1"/>
-              <a:t>xss</a:t>
-            </a:r>
-            <a:endParaRPr lang="en-US" dirty="0"/>
-          </a:p>
-        </p:txBody>
-      </p:sp>
-      <p:sp>
-        <p:nvSpPr>
-          <p:cNvPr id="28" name="Rectangle 27">
-            <a:extLst>
-              <a:ext uri="{FF2B5EF4-FFF2-40B4-BE49-F238E27FC236}">
-                <a16:creationId xmlns:a16="http://schemas.microsoft.com/office/drawing/2014/main" id="{F8C45EF9-51DD-BC49-8F49-31CC71F5A80C}"/>
-              </a:ext>
-            </a:extLst>
-          </p:cNvPr>
-          <p:cNvSpPr/>
-          <p:nvPr/>
-        </p:nvSpPr>
-        <p:spPr>
-          <a:xfrm rot="5563775">
-            <a:off x="9056963" y="3836135"/>
-            <a:ext cx="343364" cy="369332"/>
-          </a:xfrm>
-          <a:prstGeom prst="rect">
-            <a:avLst/>
-          </a:prstGeom>
-        </p:spPr>
-        <p:txBody>
-          <a:bodyPr wrap="none">
-            <a:spAutoFit/>
-          </a:bodyPr>
-          <a:lstStyle/>
-          <a:p>
-            <a:r>
-              <a:rPr lang="en-US" dirty="0"/>
-              <a:t>…</a:t>
-            </a:r>
-          </a:p>
-        </p:txBody>
-      </p:sp>
-      <p:sp>
-        <p:nvSpPr>
-          <p:cNvPr id="29" name="Rectangle 28">
-            <a:extLst>
-              <a:ext uri="{FF2B5EF4-FFF2-40B4-BE49-F238E27FC236}">
-                <a16:creationId xmlns:a16="http://schemas.microsoft.com/office/drawing/2014/main" id="{22314E63-49C5-1D4F-9CF3-031E8AC74256}"/>
-              </a:ext>
-            </a:extLst>
-          </p:cNvPr>
-          <p:cNvSpPr/>
-          <p:nvPr/>
-        </p:nvSpPr>
-        <p:spPr>
-          <a:xfrm>
-            <a:off x="8910838" y="1949970"/>
-            <a:ext cx="898195" cy="369332"/>
-          </a:xfrm>
-          <a:prstGeom prst="rect">
-            <a:avLst/>
-          </a:prstGeom>
-        </p:spPr>
-        <p:txBody>
-          <a:bodyPr wrap="none">
-            <a:spAutoFit/>
-          </a:bodyPr>
-          <a:lstStyle/>
-          <a:p>
-            <a:r>
-              <a:rPr lang="en-US" dirty="0"/>
-              <a:t>threads</a:t>
-            </a:r>
-          </a:p>
-        </p:txBody>
-      </p:sp>
-      <p:cxnSp>
-        <p:nvCxnSpPr>
-          <p:cNvPr id="30" name="Straight Connector 29">
-            <a:extLst>
-              <a:ext uri="{FF2B5EF4-FFF2-40B4-BE49-F238E27FC236}">
-                <a16:creationId xmlns:a16="http://schemas.microsoft.com/office/drawing/2014/main" id="{6443FF18-7664-7940-87BF-9BEB01DB1BA1}"/>
-              </a:ext>
-            </a:extLst>
-          </p:cNvPr>
-          <p:cNvCxnSpPr>
-            <a:cxnSpLocks/>
-          </p:cNvCxnSpPr>
-          <p:nvPr/>
-        </p:nvCxnSpPr>
-        <p:spPr>
-          <a:xfrm>
-            <a:off x="8625137" y="2348313"/>
-            <a:ext cx="1469599" cy="0"/>
-          </a:xfrm>
-          <a:prstGeom prst="line">
-            <a:avLst/>
-          </a:prstGeom>
-          <a:ln w="25400">
-            <a:solidFill>
-              <a:schemeClr val="tx1"/>
-            </a:solidFill>
-          </a:ln>
-        </p:spPr>
-        <p:style>
-          <a:lnRef idx="1">
-            <a:schemeClr val="accent1"/>
-          </a:lnRef>
-          <a:fillRef idx="0">
-            <a:schemeClr val="accent1"/>
-          </a:fillRef>
-          <a:effectRef idx="0">
-            <a:schemeClr val="accent1"/>
-          </a:effectRef>
-          <a:fontRef idx="minor">
-            <a:schemeClr val="tx1"/>
-          </a:fontRef>
-        </p:style>
-      </p:cxnSp>
+            </a:fontRef>
+          </p:style>
+        </p:cxnSp>
+      </p:grpSp>
     </p:spTree>
     <p:extLst>
       <p:ext uri="{BB962C8B-B14F-4D97-AF65-F5344CB8AC3E}">
